--- a/document/CKEISC40th第一次大社課_電研介紹.pptx
+++ b/document/CKEISC40th第一次大社課_電研介紹.pptx
@@ -247,7 +247,7 @@
           <a:p>
             <a:fld id="{5FD344F8-4D7A-4E84-9E2E-0012BC0313DE}" type="datetimeFigureOut">
               <a:rPr lang="zh-TW" altLang="en-US" smtClean="0"/>
-              <a:t>2020/9/3</a:t>
+              <a:t>2020/9/4</a:t>
             </a:fld>
             <a:endParaRPr lang="zh-TW" altLang="en-US"/>
           </a:p>
@@ -732,7 +732,7 @@
           <a:p>
             <a:fld id="{5D80FCF5-682A-41D8-B34F-D2969153630D}" type="datetimeFigureOut">
               <a:rPr lang="zh-TW" altLang="en-US" smtClean="0"/>
-              <a:t>2020/9/3</a:t>
+              <a:t>2020/9/4</a:t>
             </a:fld>
             <a:endParaRPr lang="zh-TW" altLang="en-US"/>
           </a:p>
@@ -895,7 +895,7 @@
           <a:p>
             <a:fld id="{5D80FCF5-682A-41D8-B34F-D2969153630D}" type="datetimeFigureOut">
               <a:rPr lang="zh-TW" altLang="en-US" smtClean="0"/>
-              <a:t>2020/9/3</a:t>
+              <a:t>2020/9/4</a:t>
             </a:fld>
             <a:endParaRPr lang="zh-TW" altLang="en-US"/>
           </a:p>
@@ -1068,7 +1068,7 @@
           <a:p>
             <a:fld id="{5D80FCF5-682A-41D8-B34F-D2969153630D}" type="datetimeFigureOut">
               <a:rPr lang="zh-TW" altLang="en-US" smtClean="0"/>
-              <a:t>2020/9/3</a:t>
+              <a:t>2020/9/4</a:t>
             </a:fld>
             <a:endParaRPr lang="zh-TW" altLang="en-US"/>
           </a:p>
@@ -1231,7 +1231,7 @@
           <a:p>
             <a:fld id="{5D80FCF5-682A-41D8-B34F-D2969153630D}" type="datetimeFigureOut">
               <a:rPr lang="zh-TW" altLang="en-US" smtClean="0"/>
-              <a:t>2020/9/3</a:t>
+              <a:t>2020/9/4</a:t>
             </a:fld>
             <a:endParaRPr lang="zh-TW" altLang="en-US"/>
           </a:p>
@@ -1471,7 +1471,7 @@
           <a:p>
             <a:fld id="{5D80FCF5-682A-41D8-B34F-D2969153630D}" type="datetimeFigureOut">
               <a:rPr lang="zh-TW" altLang="en-US" smtClean="0"/>
-              <a:t>2020/9/3</a:t>
+              <a:t>2020/9/4</a:t>
             </a:fld>
             <a:endParaRPr lang="zh-TW" altLang="en-US"/>
           </a:p>
@@ -1695,7 +1695,7 @@
           <a:p>
             <a:fld id="{5D80FCF5-682A-41D8-B34F-D2969153630D}" type="datetimeFigureOut">
               <a:rPr lang="zh-TW" altLang="en-US" smtClean="0"/>
-              <a:t>2020/9/3</a:t>
+              <a:t>2020/9/4</a:t>
             </a:fld>
             <a:endParaRPr lang="zh-TW" altLang="en-US"/>
           </a:p>
@@ -2054,7 +2054,7 @@
           <a:p>
             <a:fld id="{5D80FCF5-682A-41D8-B34F-D2969153630D}" type="datetimeFigureOut">
               <a:rPr lang="zh-TW" altLang="en-US" smtClean="0"/>
-              <a:t>2020/9/3</a:t>
+              <a:t>2020/9/4</a:t>
             </a:fld>
             <a:endParaRPr lang="zh-TW" altLang="en-US"/>
           </a:p>
@@ -2166,7 +2166,7 @@
           <a:p>
             <a:fld id="{5D80FCF5-682A-41D8-B34F-D2969153630D}" type="datetimeFigureOut">
               <a:rPr lang="zh-TW" altLang="en-US" smtClean="0"/>
-              <a:t>2020/9/3</a:t>
+              <a:t>2020/9/4</a:t>
             </a:fld>
             <a:endParaRPr lang="zh-TW" altLang="en-US"/>
           </a:p>
@@ -2256,7 +2256,7 @@
           <a:p>
             <a:fld id="{5D80FCF5-682A-41D8-B34F-D2969153630D}" type="datetimeFigureOut">
               <a:rPr lang="zh-TW" altLang="en-US" smtClean="0"/>
-              <a:t>2020/9/3</a:t>
+              <a:t>2020/9/4</a:t>
             </a:fld>
             <a:endParaRPr lang="zh-TW" altLang="en-US"/>
           </a:p>
@@ -2526,7 +2526,7 @@
           <a:p>
             <a:fld id="{5D80FCF5-682A-41D8-B34F-D2969153630D}" type="datetimeFigureOut">
               <a:rPr lang="zh-TW" altLang="en-US" smtClean="0"/>
-              <a:t>2020/9/3</a:t>
+              <a:t>2020/9/4</a:t>
             </a:fld>
             <a:endParaRPr lang="zh-TW" altLang="en-US"/>
           </a:p>
@@ -2779,7 +2779,7 @@
           <a:p>
             <a:fld id="{5D80FCF5-682A-41D8-B34F-D2969153630D}" type="datetimeFigureOut">
               <a:rPr lang="zh-TW" altLang="en-US" smtClean="0"/>
-              <a:t>2020/9/3</a:t>
+              <a:t>2020/9/4</a:t>
             </a:fld>
             <a:endParaRPr lang="zh-TW" altLang="en-US"/>
           </a:p>
@@ -2988,7 +2988,7 @@
           <a:p>
             <a:fld id="{5D80FCF5-682A-41D8-B34F-D2969153630D}" type="datetimeFigureOut">
               <a:rPr lang="zh-TW" altLang="en-US" smtClean="0"/>
-              <a:t>2020/9/3</a:t>
+              <a:t>2020/9/4</a:t>
             </a:fld>
             <a:endParaRPr lang="zh-TW" altLang="en-US"/>
           </a:p>
@@ -7898,7 +7898,7 @@
           <a:p>
             <a:r>
               <a:rPr lang="zh-TW" altLang="en-US" dirty="0"/>
-              <a:t>學術長</a:t>
+              <a:t>學術</a:t>
             </a:r>
             <a:br>
               <a:rPr lang="en-US" altLang="zh-TW" dirty="0"/>
